--- a/presentation.pptx
+++ b/presentation.pptx
@@ -277,7 +277,7 @@
           <a:p>
             <a:fld id="{6254D512-92C4-4B3F-8E9B-11C6BCAB05C7}" type="datetimeFigureOut">
               <a:rPr lang="en-US" smtClean="0"/>
-              <a:t>3/6/2025</a:t>
+              <a:t>3/7/2025</a:t>
             </a:fld>
             <a:endParaRPr lang="en-US"/>
           </a:p>
@@ -475,7 +475,7 @@
           <a:p>
             <a:fld id="{6254D512-92C4-4B3F-8E9B-11C6BCAB05C7}" type="datetimeFigureOut">
               <a:rPr lang="en-US" smtClean="0"/>
-              <a:t>3/6/2025</a:t>
+              <a:t>3/7/2025</a:t>
             </a:fld>
             <a:endParaRPr lang="en-US"/>
           </a:p>
@@ -683,7 +683,7 @@
           <a:p>
             <a:fld id="{6254D512-92C4-4B3F-8E9B-11C6BCAB05C7}" type="datetimeFigureOut">
               <a:rPr lang="en-US" smtClean="0"/>
-              <a:t>3/6/2025</a:t>
+              <a:t>3/7/2025</a:t>
             </a:fld>
             <a:endParaRPr lang="en-US"/>
           </a:p>
@@ -881,7 +881,7 @@
           <a:p>
             <a:fld id="{6254D512-92C4-4B3F-8E9B-11C6BCAB05C7}" type="datetimeFigureOut">
               <a:rPr lang="en-US" smtClean="0"/>
-              <a:t>3/6/2025</a:t>
+              <a:t>3/7/2025</a:t>
             </a:fld>
             <a:endParaRPr lang="en-US"/>
           </a:p>
@@ -1156,7 +1156,7 @@
           <a:p>
             <a:fld id="{6254D512-92C4-4B3F-8E9B-11C6BCAB05C7}" type="datetimeFigureOut">
               <a:rPr lang="en-US" smtClean="0"/>
-              <a:t>3/6/2025</a:t>
+              <a:t>3/7/2025</a:t>
             </a:fld>
             <a:endParaRPr lang="en-US"/>
           </a:p>
@@ -1421,7 +1421,7 @@
           <a:p>
             <a:fld id="{6254D512-92C4-4B3F-8E9B-11C6BCAB05C7}" type="datetimeFigureOut">
               <a:rPr lang="en-US" smtClean="0"/>
-              <a:t>3/6/2025</a:t>
+              <a:t>3/7/2025</a:t>
             </a:fld>
             <a:endParaRPr lang="en-US"/>
           </a:p>
@@ -1833,7 +1833,7 @@
           <a:p>
             <a:fld id="{6254D512-92C4-4B3F-8E9B-11C6BCAB05C7}" type="datetimeFigureOut">
               <a:rPr lang="en-US" smtClean="0"/>
-              <a:t>3/6/2025</a:t>
+              <a:t>3/7/2025</a:t>
             </a:fld>
             <a:endParaRPr lang="en-US"/>
           </a:p>
@@ -1974,7 +1974,7 @@
           <a:p>
             <a:fld id="{6254D512-92C4-4B3F-8E9B-11C6BCAB05C7}" type="datetimeFigureOut">
               <a:rPr lang="en-US" smtClean="0"/>
-              <a:t>3/6/2025</a:t>
+              <a:t>3/7/2025</a:t>
             </a:fld>
             <a:endParaRPr lang="en-US"/>
           </a:p>
@@ -2087,7 +2087,7 @@
           <a:p>
             <a:fld id="{6254D512-92C4-4B3F-8E9B-11C6BCAB05C7}" type="datetimeFigureOut">
               <a:rPr lang="en-US" smtClean="0"/>
-              <a:t>3/6/2025</a:t>
+              <a:t>3/7/2025</a:t>
             </a:fld>
             <a:endParaRPr lang="en-US"/>
           </a:p>
@@ -2398,7 +2398,7 @@
           <a:p>
             <a:fld id="{6254D512-92C4-4B3F-8E9B-11C6BCAB05C7}" type="datetimeFigureOut">
               <a:rPr lang="en-US" smtClean="0"/>
-              <a:t>3/6/2025</a:t>
+              <a:t>3/7/2025</a:t>
             </a:fld>
             <a:endParaRPr lang="en-US"/>
           </a:p>
@@ -2686,7 +2686,7 @@
           <a:p>
             <a:fld id="{6254D512-92C4-4B3F-8E9B-11C6BCAB05C7}" type="datetimeFigureOut">
               <a:rPr lang="en-US" smtClean="0"/>
-              <a:t>3/6/2025</a:t>
+              <a:t>3/7/2025</a:t>
             </a:fld>
             <a:endParaRPr lang="en-US"/>
           </a:p>
@@ -2927,7 +2927,7 @@
           <a:p>
             <a:fld id="{6254D512-92C4-4B3F-8E9B-11C6BCAB05C7}" type="datetimeFigureOut">
               <a:rPr lang="en-US" smtClean="0"/>
-              <a:t>3/6/2025</a:t>
+              <a:t>3/7/2025</a:t>
             </a:fld>
             <a:endParaRPr lang="en-US"/>
           </a:p>
@@ -3452,7 +3452,25 @@
                 </a:solidFill>
                 <a:effectLst/>
               </a:rPr>
-              <a:t>Our team created a financial calculator to help users better understand and manage their finances.</a:t>
+              <a:t>Our team created a financial calculator to help users better </a:t>
+            </a:r>
+            <a:r>
+              <a:rPr lang="en-US" sz="7200" b="1" i="0">
+                <a:solidFill>
+                  <a:schemeClr val="bg1"/>
+                </a:solidFill>
+                <a:effectLst/>
+              </a:rPr>
+              <a:t>understand and </a:t>
+            </a:r>
+            <a:r>
+              <a:rPr lang="en-US" sz="7200" b="1" i="0" dirty="0">
+                <a:solidFill>
+                  <a:schemeClr val="bg1"/>
+                </a:solidFill>
+                <a:effectLst/>
+              </a:rPr>
+              <a:t>manage their finances.</a:t>
             </a:r>
           </a:p>
           <a:p>
